--- a/snre_talk/slides_template.pptx
+++ b/snre_talk/slides_template.pptx
@@ -104,6 +104,11 @@
       </a:defRPr>
     </a:lvl9pPr>
   </p:defaultTextStyle>
+  <p:extLst>
+    <p:ext uri="{EFAFB233-063F-42B5-8137-9DF3F51BA10A}">
+      <p15:sldGuideLst xmlns:p15="http://schemas.microsoft.com/office/powerpoint/2012/main"/>
+    </p:ext>
+  </p:extLst>
 </p:presentation>
 </file>
 
@@ -254,7 +259,7 @@
           <a:p>
             <a:fld id="{CBF2FD2D-B556-5442-97E5-B2318A5E0609}" type="datetimeFigureOut">
               <a:rPr lang="en-US" smtClean="0"/>
-              <a:t>2/14/22</a:t>
+              <a:t>2/17/22</a:t>
             </a:fld>
             <a:endParaRPr lang="en-US"/>
           </a:p>
@@ -452,7 +457,7 @@
           <a:p>
             <a:fld id="{CBF2FD2D-B556-5442-97E5-B2318A5E0609}" type="datetimeFigureOut">
               <a:rPr lang="en-US" smtClean="0"/>
-              <a:t>2/14/22</a:t>
+              <a:t>2/17/22</a:t>
             </a:fld>
             <a:endParaRPr lang="en-US"/>
           </a:p>
@@ -660,7 +665,7 @@
           <a:p>
             <a:fld id="{CBF2FD2D-B556-5442-97E5-B2318A5E0609}" type="datetimeFigureOut">
               <a:rPr lang="en-US" smtClean="0"/>
-              <a:t>2/14/22</a:t>
+              <a:t>2/17/22</a:t>
             </a:fld>
             <a:endParaRPr lang="en-US"/>
           </a:p>
@@ -734,7 +739,7 @@
 </file>
 
 <file path=ppt/slideLayouts/slideLayout2.xml><?xml version="1.0" encoding="utf-8"?>
-<p:sldLayout xmlns:a="http://schemas.openxmlformats.org/drawingml/2006/main" xmlns:r="http://schemas.openxmlformats.org/officeDocument/2006/relationships" xmlns:p="http://schemas.openxmlformats.org/presentationml/2006/main" type="obj" preserve="1">
+<p:sldLayout xmlns:a="http://schemas.openxmlformats.org/drawingml/2006/main" xmlns:r="http://schemas.openxmlformats.org/officeDocument/2006/relationships" xmlns:p="http://schemas.openxmlformats.org/presentationml/2006/main" preserve="1" userDrawn="1">
   <p:cSld name="Title and Content">
     <p:spTree>
       <p:nvGrpSpPr>
@@ -858,7 +863,7 @@
           <a:p>
             <a:fld id="{CBF2FD2D-B556-5442-97E5-B2318A5E0609}" type="datetimeFigureOut">
               <a:rPr lang="en-US" smtClean="0"/>
-              <a:t>2/14/22</a:t>
+              <a:t>2/17/22</a:t>
             </a:fld>
             <a:endParaRPr lang="en-US"/>
           </a:p>
@@ -914,6 +919,36 @@
               <a:rPr lang="en-US" smtClean="0"/>
               <a:t>‹#›</a:t>
             </a:fld>
+            <a:endParaRPr lang="en-US"/>
+          </a:p>
+        </p:txBody>
+      </p:sp>
+      <p:sp>
+        <p:nvSpPr>
+          <p:cNvPr id="8" name="Picture Placeholder 7">
+            <a:extLst>
+              <a:ext uri="{FF2B5EF4-FFF2-40B4-BE49-F238E27FC236}">
+                <a16:creationId xmlns:a16="http://schemas.microsoft.com/office/drawing/2014/main" id="{8F03C805-F980-4F44-BAB1-94084F8B93FA}"/>
+              </a:ext>
+            </a:extLst>
+          </p:cNvPr>
+          <p:cNvSpPr>
+            <a:spLocks noGrp="1"/>
+          </p:cNvSpPr>
+          <p:nvPr>
+            <p:ph type="pic" sz="quarter" idx="13"/>
+          </p:nvPr>
+        </p:nvSpPr>
+        <p:spPr>
+          <a:xfrm>
+            <a:off x="838200" y="1825625"/>
+            <a:ext cx="10515600" cy="4351338"/>
+          </a:xfrm>
+        </p:spPr>
+        <p:txBody>
+          <a:bodyPr/>
+          <a:lstStyle/>
+          <a:p>
             <a:endParaRPr lang="en-US"/>
           </a:p>
         </p:txBody>
@@ -1133,7 +1168,7 @@
           <a:p>
             <a:fld id="{CBF2FD2D-B556-5442-97E5-B2318A5E0609}" type="datetimeFigureOut">
               <a:rPr lang="en-US" smtClean="0"/>
-              <a:t>2/14/22</a:t>
+              <a:t>2/17/22</a:t>
             </a:fld>
             <a:endParaRPr lang="en-US"/>
           </a:p>
@@ -1398,7 +1433,7 @@
           <a:p>
             <a:fld id="{CBF2FD2D-B556-5442-97E5-B2318A5E0609}" type="datetimeFigureOut">
               <a:rPr lang="en-US" smtClean="0"/>
-              <a:t>2/14/22</a:t>
+              <a:t>2/17/22</a:t>
             </a:fld>
             <a:endParaRPr lang="en-US"/>
           </a:p>
@@ -1810,7 +1845,7 @@
           <a:p>
             <a:fld id="{CBF2FD2D-B556-5442-97E5-B2318A5E0609}" type="datetimeFigureOut">
               <a:rPr lang="en-US" smtClean="0"/>
-              <a:t>2/14/22</a:t>
+              <a:t>2/17/22</a:t>
             </a:fld>
             <a:endParaRPr lang="en-US"/>
           </a:p>
@@ -1951,7 +1986,7 @@
           <a:p>
             <a:fld id="{CBF2FD2D-B556-5442-97E5-B2318A5E0609}" type="datetimeFigureOut">
               <a:rPr lang="en-US" smtClean="0"/>
-              <a:t>2/14/22</a:t>
+              <a:t>2/17/22</a:t>
             </a:fld>
             <a:endParaRPr lang="en-US"/>
           </a:p>
@@ -2064,7 +2099,7 @@
           <a:p>
             <a:fld id="{CBF2FD2D-B556-5442-97E5-B2318A5E0609}" type="datetimeFigureOut">
               <a:rPr lang="en-US" smtClean="0"/>
-              <a:t>2/14/22</a:t>
+              <a:t>2/17/22</a:t>
             </a:fld>
             <a:endParaRPr lang="en-US"/>
           </a:p>
@@ -2375,7 +2410,7 @@
           <a:p>
             <a:fld id="{CBF2FD2D-B556-5442-97E5-B2318A5E0609}" type="datetimeFigureOut">
               <a:rPr lang="en-US" smtClean="0"/>
-              <a:t>2/14/22</a:t>
+              <a:t>2/17/22</a:t>
             </a:fld>
             <a:endParaRPr lang="en-US"/>
           </a:p>
@@ -2663,7 +2698,7 @@
           <a:p>
             <a:fld id="{CBF2FD2D-B556-5442-97E5-B2318A5E0609}" type="datetimeFigureOut">
               <a:rPr lang="en-US" smtClean="0"/>
-              <a:t>2/14/22</a:t>
+              <a:t>2/17/22</a:t>
             </a:fld>
             <a:endParaRPr lang="en-US"/>
           </a:p>
@@ -2904,7 +2939,7 @@
           <a:p>
             <a:fld id="{CBF2FD2D-B556-5442-97E5-B2318A5E0609}" type="datetimeFigureOut">
               <a:rPr lang="en-US" smtClean="0"/>
-              <a:t>2/14/22</a:t>
+              <a:t>2/17/22</a:t>
             </a:fld>
             <a:endParaRPr lang="en-US"/>
           </a:p>
